--- a/zookeeper.v3.pptx
+++ b/zookeeper.v3.pptx
@@ -11624,11 +11624,7 @@
             </a:r>
             <a:r>
               <a:rPr lang="en-US" altLang="zh-CN" dirty="0" smtClean="0"/>
-              <a:t>localhost</a:t>
-            </a:r>
-            <a:r>
-              <a:rPr lang="en-US" altLang="zh-CN" dirty="0" smtClean="0"/>
-              <a:t>:2181/app/a</a:t>
+              <a:t>localhost:2181/app/a</a:t>
             </a:r>
             <a:r>
               <a:rPr lang="en-US" altLang="zh-CN" dirty="0"/>
@@ -18202,13 +18198,10 @@
           <a:lstStyle/>
           <a:p>
             <a:r>
-              <a:rPr lang="en-US" altLang="zh-CN" dirty="0"/>
-              <a:t>Follower</a:t>
-            </a:r>
-            <a:r>
-              <a:rPr lang="zh-CN" altLang="en-US" dirty="0"/>
-              <a:t>重启</a:t>
-            </a:r>
+              <a:rPr lang="zh-CN" altLang="en-US" dirty="0"/>
+              <a:t>集群启动选举</a:t>
+            </a:r>
+            <a:endParaRPr lang="zh-CN" altLang="en-US" dirty="0"/>
           </a:p>
         </p:txBody>
       </p:sp>
